--- a/manuscript/Revised/Final_Figure/Fig1.pptx
+++ b/manuscript/Revised/Final_Figure/Fig1.pptx
@@ -199,7 +199,7 @@
           <a:p>
             <a:fld id="{BA2C0945-D6AD-514E-90F6-E97BE7CBDEFB}" type="datetimeFigureOut">
               <a:rPr lang="en-US" smtClean="0"/>
-              <a:t>10/14/24</a:t>
+              <a:t>10/15/24</a:t>
             </a:fld>
             <a:endParaRPr lang="en-US"/>
           </a:p>
@@ -681,7 +681,7 @@
           <a:p>
             <a:fld id="{D3BDF76E-1390-41F8-BA9D-8D8A77430039}" type="datetimeFigureOut">
               <a:rPr lang="fi-FI" smtClean="0"/>
-              <a:t>14.10.2024</a:t>
+              <a:t>15.10.2024</a:t>
             </a:fld>
             <a:endParaRPr lang="fi-FI"/>
           </a:p>
@@ -851,7 +851,7 @@
           <a:p>
             <a:fld id="{D3BDF76E-1390-41F8-BA9D-8D8A77430039}" type="datetimeFigureOut">
               <a:rPr lang="fi-FI" smtClean="0"/>
-              <a:t>14.10.2024</a:t>
+              <a:t>15.10.2024</a:t>
             </a:fld>
             <a:endParaRPr lang="fi-FI"/>
           </a:p>
@@ -1031,7 +1031,7 @@
           <a:p>
             <a:fld id="{D3BDF76E-1390-41F8-BA9D-8D8A77430039}" type="datetimeFigureOut">
               <a:rPr lang="fi-FI" smtClean="0"/>
-              <a:t>14.10.2024</a:t>
+              <a:t>15.10.2024</a:t>
             </a:fld>
             <a:endParaRPr lang="fi-FI"/>
           </a:p>
@@ -1201,7 +1201,7 @@
           <a:p>
             <a:fld id="{D3BDF76E-1390-41F8-BA9D-8D8A77430039}" type="datetimeFigureOut">
               <a:rPr lang="fi-FI" smtClean="0"/>
-              <a:t>14.10.2024</a:t>
+              <a:t>15.10.2024</a:t>
             </a:fld>
             <a:endParaRPr lang="fi-FI"/>
           </a:p>
@@ -1447,7 +1447,7 @@
           <a:p>
             <a:fld id="{D3BDF76E-1390-41F8-BA9D-8D8A77430039}" type="datetimeFigureOut">
               <a:rPr lang="fi-FI" smtClean="0"/>
-              <a:t>14.10.2024</a:t>
+              <a:t>15.10.2024</a:t>
             </a:fld>
             <a:endParaRPr lang="fi-FI"/>
           </a:p>
@@ -1679,7 +1679,7 @@
           <a:p>
             <a:fld id="{D3BDF76E-1390-41F8-BA9D-8D8A77430039}" type="datetimeFigureOut">
               <a:rPr lang="fi-FI" smtClean="0"/>
-              <a:t>14.10.2024</a:t>
+              <a:t>15.10.2024</a:t>
             </a:fld>
             <a:endParaRPr lang="fi-FI"/>
           </a:p>
@@ -2046,7 +2046,7 @@
           <a:p>
             <a:fld id="{D3BDF76E-1390-41F8-BA9D-8D8A77430039}" type="datetimeFigureOut">
               <a:rPr lang="fi-FI" smtClean="0"/>
-              <a:t>14.10.2024</a:t>
+              <a:t>15.10.2024</a:t>
             </a:fld>
             <a:endParaRPr lang="fi-FI"/>
           </a:p>
@@ -2164,7 +2164,7 @@
           <a:p>
             <a:fld id="{D3BDF76E-1390-41F8-BA9D-8D8A77430039}" type="datetimeFigureOut">
               <a:rPr lang="fi-FI" smtClean="0"/>
-              <a:t>14.10.2024</a:t>
+              <a:t>15.10.2024</a:t>
             </a:fld>
             <a:endParaRPr lang="fi-FI"/>
           </a:p>
@@ -2259,7 +2259,7 @@
           <a:p>
             <a:fld id="{D3BDF76E-1390-41F8-BA9D-8D8A77430039}" type="datetimeFigureOut">
               <a:rPr lang="fi-FI" smtClean="0"/>
-              <a:t>14.10.2024</a:t>
+              <a:t>15.10.2024</a:t>
             </a:fld>
             <a:endParaRPr lang="fi-FI"/>
           </a:p>
@@ -2536,7 +2536,7 @@
           <a:p>
             <a:fld id="{D3BDF76E-1390-41F8-BA9D-8D8A77430039}" type="datetimeFigureOut">
               <a:rPr lang="fi-FI" smtClean="0"/>
-              <a:t>14.10.2024</a:t>
+              <a:t>15.10.2024</a:t>
             </a:fld>
             <a:endParaRPr lang="fi-FI"/>
           </a:p>
@@ -2789,7 +2789,7 @@
           <a:p>
             <a:fld id="{D3BDF76E-1390-41F8-BA9D-8D8A77430039}" type="datetimeFigureOut">
               <a:rPr lang="fi-FI" smtClean="0"/>
-              <a:t>14.10.2024</a:t>
+              <a:t>15.10.2024</a:t>
             </a:fld>
             <a:endParaRPr lang="fi-FI"/>
           </a:p>
@@ -3002,7 +3002,7 @@
           <a:p>
             <a:fld id="{D3BDF76E-1390-41F8-BA9D-8D8A77430039}" type="datetimeFigureOut">
               <a:rPr lang="fi-FI" smtClean="0"/>
-              <a:t>14.10.2024</a:t>
+              <a:t>15.10.2024</a:t>
             </a:fld>
             <a:endParaRPr lang="fi-FI"/>
           </a:p>
@@ -11373,6 +11373,41 @@
           </a:fontRef>
         </p:style>
       </p:cxnSp>
+      <p:sp>
+        <p:nvSpPr>
+          <p:cNvPr id="3" name="TextBox 2">
+            <a:extLst>
+              <a:ext uri="{FF2B5EF4-FFF2-40B4-BE49-F238E27FC236}">
+                <a16:creationId xmlns:a16="http://schemas.microsoft.com/office/drawing/2014/main" id="{60665F0E-69AF-C861-C5EE-73D3D8274C24}"/>
+              </a:ext>
+            </a:extLst>
+          </p:cNvPr>
+          <p:cNvSpPr txBox="1"/>
+          <p:nvPr/>
+        </p:nvSpPr>
+        <p:spPr>
+          <a:xfrm>
+            <a:off x="360768" y="1082127"/>
+            <a:ext cx="352425" cy="584775"/>
+          </a:xfrm>
+          <a:prstGeom prst="rect">
+            <a:avLst/>
+          </a:prstGeom>
+          <a:noFill/>
+        </p:spPr>
+        <p:txBody>
+          <a:bodyPr wrap="square" rtlCol="0">
+            <a:spAutoFit/>
+          </a:bodyPr>
+          <a:lstStyle/>
+          <a:p>
+            <a:r>
+              <a:rPr lang="en-US" sz="3200" b="1" dirty="0"/>
+              <a:t>A</a:t>
+            </a:r>
+          </a:p>
+        </p:txBody>
+      </p:sp>
     </p:spTree>
     <p:extLst>
       <p:ext uri="{BB962C8B-B14F-4D97-AF65-F5344CB8AC3E}">
@@ -16452,6 +16487,41 @@
           </a:p>
         </p:txBody>
       </p:sp>
+      <p:sp>
+        <p:nvSpPr>
+          <p:cNvPr id="8" name="TextBox 7">
+            <a:extLst>
+              <a:ext uri="{FF2B5EF4-FFF2-40B4-BE49-F238E27FC236}">
+                <a16:creationId xmlns:a16="http://schemas.microsoft.com/office/drawing/2014/main" id="{B2A53449-3332-2716-388B-A3C530ED1F23}"/>
+              </a:ext>
+            </a:extLst>
+          </p:cNvPr>
+          <p:cNvSpPr txBox="1"/>
+          <p:nvPr/>
+        </p:nvSpPr>
+        <p:spPr>
+          <a:xfrm>
+            <a:off x="360768" y="1082127"/>
+            <a:ext cx="352425" cy="584775"/>
+          </a:xfrm>
+          <a:prstGeom prst="rect">
+            <a:avLst/>
+          </a:prstGeom>
+          <a:noFill/>
+        </p:spPr>
+        <p:txBody>
+          <a:bodyPr wrap="square" rtlCol="0">
+            <a:spAutoFit/>
+          </a:bodyPr>
+          <a:lstStyle/>
+          <a:p>
+            <a:r>
+              <a:rPr lang="en-US" sz="3200" b="1" dirty="0"/>
+              <a:t>B</a:t>
+            </a:r>
+          </a:p>
+        </p:txBody>
+      </p:sp>
     </p:spTree>
     <p:extLst>
       <p:ext uri="{BB962C8B-B14F-4D97-AF65-F5344CB8AC3E}">
@@ -16529,41 +16599,6 @@
           </a:extLst>
         </p:spPr>
       </p:pic>
-      <p:sp>
-        <p:nvSpPr>
-          <p:cNvPr id="66" name="TextBox 65">
-            <a:extLst>
-              <a:ext uri="{FF2B5EF4-FFF2-40B4-BE49-F238E27FC236}">
-                <a16:creationId xmlns:a16="http://schemas.microsoft.com/office/drawing/2014/main" id="{BEA65EF8-E510-3774-9ED2-1CE4B711FFF1}"/>
-              </a:ext>
-            </a:extLst>
-          </p:cNvPr>
-          <p:cNvSpPr txBox="1"/>
-          <p:nvPr/>
-        </p:nvSpPr>
-        <p:spPr>
-          <a:xfrm>
-            <a:off x="392624" y="894786"/>
-            <a:ext cx="1409178" cy="400110"/>
-          </a:xfrm>
-          <a:prstGeom prst="rect">
-            <a:avLst/>
-          </a:prstGeom>
-          <a:noFill/>
-        </p:spPr>
-        <p:txBody>
-          <a:bodyPr wrap="square" rtlCol="0">
-            <a:spAutoFit/>
-          </a:bodyPr>
-          <a:lstStyle/>
-          <a:p>
-            <a:r>
-              <a:rPr lang="en-US" sz="2000" b="1" dirty="0"/>
-              <a:t>SPE</a:t>
-            </a:r>
-          </a:p>
-        </p:txBody>
-      </p:sp>
       <p:sp>
         <p:nvSpPr>
           <p:cNvPr id="60" name="Right Arrow 59">
@@ -18986,41 +19021,6 @@
           </a:p>
         </p:txBody>
       </p:sp>
-      <p:sp>
-        <p:nvSpPr>
-          <p:cNvPr id="108" name="TextBox 107">
-            <a:extLst>
-              <a:ext uri="{FF2B5EF4-FFF2-40B4-BE49-F238E27FC236}">
-                <a16:creationId xmlns:a16="http://schemas.microsoft.com/office/drawing/2014/main" id="{A1DB1F14-5A36-4A5F-4917-8B0B169DB0D9}"/>
-              </a:ext>
-            </a:extLst>
-          </p:cNvPr>
-          <p:cNvSpPr txBox="1"/>
-          <p:nvPr/>
-        </p:nvSpPr>
-        <p:spPr>
-          <a:xfrm>
-            <a:off x="434540" y="3489978"/>
-            <a:ext cx="1409178" cy="400110"/>
-          </a:xfrm>
-          <a:prstGeom prst="rect">
-            <a:avLst/>
-          </a:prstGeom>
-          <a:noFill/>
-        </p:spPr>
-        <p:txBody>
-          <a:bodyPr wrap="square" rtlCol="0">
-            <a:spAutoFit/>
-          </a:bodyPr>
-          <a:lstStyle/>
-          <a:p>
-            <a:r>
-              <a:rPr lang="en-US" sz="2000" b="1" dirty="0"/>
-              <a:t>CPE</a:t>
-            </a:r>
-          </a:p>
-        </p:txBody>
-      </p:sp>
       <p:grpSp>
         <p:nvGrpSpPr>
           <p:cNvPr id="128" name="Group 127">
@@ -19547,13 +19547,13 @@
           <p:nvPr>
             <p:extLst>
               <p:ext uri="{D42A27DB-BD31-4B8C-83A1-F6EECF244321}">
-                <p14:modId xmlns:p14="http://schemas.microsoft.com/office/powerpoint/2010/main" val="2115471272"/>
+                <p14:modId xmlns:p14="http://schemas.microsoft.com/office/powerpoint/2010/main" val="2848609750"/>
               </p:ext>
             </p:extLst>
           </p:nvPr>
         </p:nvGraphicFramePr>
         <p:xfrm>
-          <a:off x="2581829" y="4008216"/>
+          <a:off x="2523933" y="3926433"/>
           <a:ext cx="2433371" cy="1010672"/>
         </p:xfrm>
         <a:graphic>
@@ -19563,42 +19563,42 @@
                 <a:tableStyleId>{5C22544A-7EE6-4342-B048-85BDC9FD1C3A}</a:tableStyleId>
               </a:tblPr>
               <a:tblGrid>
-                <a:gridCol w="831139">
+                <a:gridCol w="1219392">
                   <a:extLst>
                     <a:ext uri="{9D8B030D-6E8A-4147-A177-3AD203B41FA5}">
                       <a16:colId xmlns:a16="http://schemas.microsoft.com/office/drawing/2014/main" val="3987986957"/>
                     </a:ext>
                   </a:extLst>
                 </a:gridCol>
-                <a:gridCol w="361260">
+                <a:gridCol w="276225">
                   <a:extLst>
                     <a:ext uri="{9D8B030D-6E8A-4147-A177-3AD203B41FA5}">
                       <a16:colId xmlns:a16="http://schemas.microsoft.com/office/drawing/2014/main" val="3973691435"/>
                     </a:ext>
                   </a:extLst>
                 </a:gridCol>
-                <a:gridCol w="404949">
+                <a:gridCol w="258445">
                   <a:extLst>
                     <a:ext uri="{9D8B030D-6E8A-4147-A177-3AD203B41FA5}">
                       <a16:colId xmlns:a16="http://schemas.microsoft.com/office/drawing/2014/main" val="910561305"/>
                     </a:ext>
                   </a:extLst>
                 </a:gridCol>
-                <a:gridCol w="261257">
+                <a:gridCol w="208280">
                   <a:extLst>
                     <a:ext uri="{9D8B030D-6E8A-4147-A177-3AD203B41FA5}">
                       <a16:colId xmlns:a16="http://schemas.microsoft.com/office/drawing/2014/main" val="1082582232"/>
                     </a:ext>
                   </a:extLst>
                 </a:gridCol>
-                <a:gridCol w="235132">
+                <a:gridCol w="238125">
                   <a:extLst>
                     <a:ext uri="{9D8B030D-6E8A-4147-A177-3AD203B41FA5}">
                       <a16:colId xmlns:a16="http://schemas.microsoft.com/office/drawing/2014/main" val="3138518818"/>
                     </a:ext>
                   </a:extLst>
                 </a:gridCol>
-                <a:gridCol w="339634">
+                <a:gridCol w="232904">
                   <a:extLst>
                     <a:ext uri="{9D8B030D-6E8A-4147-A177-3AD203B41FA5}">
                       <a16:colId xmlns:a16="http://schemas.microsoft.com/office/drawing/2014/main" val="3381871"/>
@@ -19704,7 +19704,7 @@
                     <a:p>
                       <a:r>
                         <a:rPr lang="en-US" b="1" dirty="0"/>
-                        <a:t>Freq</a:t>
+                        <a:t>Frequency</a:t>
                       </a:r>
                     </a:p>
                   </a:txBody>
@@ -19799,7 +19799,7 @@
         </p:nvSpPr>
         <p:spPr>
           <a:xfrm>
-            <a:off x="3528248" y="4226226"/>
+            <a:off x="3794949" y="4188312"/>
             <a:ext cx="117143" cy="125654"/>
           </a:xfrm>
           <a:prstGeom prst="ellipse">
@@ -19848,7 +19848,7 @@
         </p:nvSpPr>
         <p:spPr>
           <a:xfrm>
-            <a:off x="3922658" y="4223326"/>
+            <a:off x="4122977" y="4185333"/>
             <a:ext cx="117143" cy="125654"/>
           </a:xfrm>
           <a:prstGeom prst="ellipse">
@@ -20032,7 +20032,7 @@
         </p:nvSpPr>
         <p:spPr>
           <a:xfrm>
-            <a:off x="5105724" y="4267236"/>
+            <a:off x="5047727" y="4262492"/>
             <a:ext cx="456005" cy="338554"/>
           </a:xfrm>
           <a:prstGeom prst="rightArrow">
@@ -20669,6 +20669,146 @@
           </p:txBody>
         </p:sp>
       </p:grpSp>
+      <p:sp>
+        <p:nvSpPr>
+          <p:cNvPr id="7" name="TextBox 6">
+            <a:extLst>
+              <a:ext uri="{FF2B5EF4-FFF2-40B4-BE49-F238E27FC236}">
+                <a16:creationId xmlns:a16="http://schemas.microsoft.com/office/drawing/2014/main" id="{5D103DA6-B450-6E14-DF8A-735AAFE526F7}"/>
+              </a:ext>
+            </a:extLst>
+          </p:cNvPr>
+          <p:cNvSpPr txBox="1"/>
+          <p:nvPr/>
+        </p:nvSpPr>
+        <p:spPr>
+          <a:xfrm>
+            <a:off x="243947" y="1587347"/>
+            <a:ext cx="352425" cy="584775"/>
+          </a:xfrm>
+          <a:prstGeom prst="rect">
+            <a:avLst/>
+          </a:prstGeom>
+          <a:noFill/>
+        </p:spPr>
+        <p:txBody>
+          <a:bodyPr wrap="square" rtlCol="0">
+            <a:spAutoFit/>
+          </a:bodyPr>
+          <a:lstStyle/>
+          <a:p>
+            <a:r>
+              <a:rPr lang="en-US" sz="3200" b="1" dirty="0"/>
+              <a:t>C</a:t>
+            </a:r>
+          </a:p>
+        </p:txBody>
+      </p:sp>
+      <p:sp>
+        <p:nvSpPr>
+          <p:cNvPr id="8" name="TextBox 7">
+            <a:extLst>
+              <a:ext uri="{FF2B5EF4-FFF2-40B4-BE49-F238E27FC236}">
+                <a16:creationId xmlns:a16="http://schemas.microsoft.com/office/drawing/2014/main" id="{D9FD8ED0-CFF8-EA11-AC79-345D7636BA5F}"/>
+              </a:ext>
+            </a:extLst>
+          </p:cNvPr>
+          <p:cNvSpPr txBox="1"/>
+          <p:nvPr/>
+        </p:nvSpPr>
+        <p:spPr>
+          <a:xfrm>
+            <a:off x="243947" y="3825378"/>
+            <a:ext cx="352425" cy="584775"/>
+          </a:xfrm>
+          <a:prstGeom prst="rect">
+            <a:avLst/>
+          </a:prstGeom>
+          <a:noFill/>
+        </p:spPr>
+        <p:txBody>
+          <a:bodyPr wrap="square" rtlCol="0">
+            <a:spAutoFit/>
+          </a:bodyPr>
+          <a:lstStyle/>
+          <a:p>
+            <a:r>
+              <a:rPr lang="en-US" sz="3200" b="1" dirty="0"/>
+              <a:t>D</a:t>
+            </a:r>
+          </a:p>
+        </p:txBody>
+      </p:sp>
+      <p:sp>
+        <p:nvSpPr>
+          <p:cNvPr id="9" name="TextBox 8">
+            <a:extLst>
+              <a:ext uri="{FF2B5EF4-FFF2-40B4-BE49-F238E27FC236}">
+                <a16:creationId xmlns:a16="http://schemas.microsoft.com/office/drawing/2014/main" id="{A5D215E8-3CB1-2D02-5C1E-325A353C907D}"/>
+              </a:ext>
+            </a:extLst>
+          </p:cNvPr>
+          <p:cNvSpPr txBox="1"/>
+          <p:nvPr/>
+        </p:nvSpPr>
+        <p:spPr>
+          <a:xfrm>
+            <a:off x="4904333" y="3944634"/>
+            <a:ext cx="688067" cy="369332"/>
+          </a:xfrm>
+          <a:prstGeom prst="rect">
+            <a:avLst/>
+          </a:prstGeom>
+          <a:noFill/>
+        </p:spPr>
+        <p:txBody>
+          <a:bodyPr wrap="square" rtlCol="0">
+            <a:spAutoFit/>
+          </a:bodyPr>
+          <a:lstStyle/>
+          <a:p>
+            <a:r>
+              <a:rPr lang="en-US" b="1" dirty="0"/>
+              <a:t>Eq. 5</a:t>
+            </a:r>
+          </a:p>
+        </p:txBody>
+      </p:sp>
+      <p:sp>
+        <p:nvSpPr>
+          <p:cNvPr id="10" name="TextBox 9">
+            <a:extLst>
+              <a:ext uri="{FF2B5EF4-FFF2-40B4-BE49-F238E27FC236}">
+                <a16:creationId xmlns:a16="http://schemas.microsoft.com/office/drawing/2014/main" id="{0C69CFBB-82E8-B45B-A4D5-318A2E6F9E19}"/>
+              </a:ext>
+            </a:extLst>
+          </p:cNvPr>
+          <p:cNvSpPr txBox="1"/>
+          <p:nvPr/>
+        </p:nvSpPr>
+        <p:spPr>
+          <a:xfrm>
+            <a:off x="4467580" y="1879809"/>
+            <a:ext cx="688067" cy="369332"/>
+          </a:xfrm>
+          <a:prstGeom prst="rect">
+            <a:avLst/>
+          </a:prstGeom>
+          <a:noFill/>
+        </p:spPr>
+        <p:txBody>
+          <a:bodyPr wrap="square" rtlCol="0">
+            <a:spAutoFit/>
+          </a:bodyPr>
+          <a:lstStyle/>
+          <a:p>
+            <a:r>
+              <a:rPr lang="en-US" b="1" dirty="0"/>
+              <a:t>Eq. 2</a:t>
+            </a:r>
+          </a:p>
+        </p:txBody>
+      </p:sp>
     </p:spTree>
     <p:extLst>
       <p:ext uri="{BB962C8B-B14F-4D97-AF65-F5344CB8AC3E}">
